--- a/Directed_Acyclic.pptx
+++ b/Directed_Acyclic.pptx
@@ -5362,7 +5362,7 @@
         <p:spPr>
           <a:xfrm>
             <a:off x="6181673" y="354670"/>
-            <a:ext cx="2628122" cy="1399044"/>
+            <a:ext cx="2628122" cy="1695592"/>
           </a:xfrm>
           <a:prstGeom prst="rect">
             <a:avLst/>
@@ -5381,68 +5381,95 @@
           </a:bodyPr>
           <a:lstStyle/>
           <a:p>
+            <a:pPr>
+              <a:lnSpc>
+                <a:spcPct val="110000"/>
+              </a:lnSpc>
+            </a:pPr>
             <a:r>
               <a:rPr lang="en-US" sz="1900" dirty="0" smtClean="0"/>
               <a:t>N</a:t>
             </a:r>
             <a:r>
               <a:rPr lang="en-US" sz="1900" baseline="-25000" dirty="0" smtClean="0"/>
-              <a:t>fs</a:t>
+              <a:t>ct</a:t>
             </a:r>
             <a:r>
               <a:rPr lang="en-US" sz="1900" dirty="0" smtClean="0"/>
-              <a:t> </a:t>
-            </a:r>
-            <a:r>
-              <a:rPr lang="en-US" sz="1900" baseline="-25000" dirty="0" smtClean="0"/>
-              <a:t>:</a:t>
-            </a:r>
-            <a:r>
-              <a:rPr lang="en-US" sz="1900" dirty="0" smtClean="0"/>
-              <a:t> Number of f-scales</a:t>
-            </a:r>
-          </a:p>
-          <a:p>
+              <a:t> : Number of counties</a:t>
+            </a:r>
+          </a:p>
+          <a:p>
+            <a:pPr>
+              <a:lnSpc>
+                <a:spcPct val="110000"/>
+              </a:lnSpc>
+            </a:pPr>
             <a:r>
               <a:rPr lang="en-US" sz="1900" dirty="0" smtClean="0"/>
               <a:t>N</a:t>
             </a:r>
             <a:r>
               <a:rPr lang="en-US" sz="1900" baseline="-25000" dirty="0" smtClean="0"/>
-              <a:t>ct</a:t>
+              <a:t>st</a:t>
             </a:r>
             <a:r>
               <a:rPr lang="en-US" sz="1900" dirty="0" smtClean="0"/>
-              <a:t> : Number of counties</a:t>
-            </a:r>
-          </a:p>
-          <a:p>
+              <a:t> : Number of states</a:t>
+            </a:r>
+          </a:p>
+          <a:p>
+            <a:pPr>
+              <a:lnSpc>
+                <a:spcPct val="110000"/>
+              </a:lnSpc>
+            </a:pPr>
             <a:r>
               <a:rPr lang="en-US" sz="1900" dirty="0" smtClean="0"/>
               <a:t>N</a:t>
             </a:r>
             <a:r>
               <a:rPr lang="en-US" sz="1900" baseline="-25000" dirty="0" smtClean="0"/>
-              <a:t>st</a:t>
-            </a:r>
-            <a:r>
-              <a:rPr lang="en-US" sz="1900" dirty="0" smtClean="0"/>
-              <a:t> : Number of states</a:t>
-            </a:r>
-          </a:p>
-          <a:p>
-            <a:r>
-              <a:rPr lang="en-US" sz="1900" dirty="0" smtClean="0"/>
-              <a:t>N</a:t>
-            </a:r>
-            <a:r>
-              <a:rPr lang="en-US" sz="1900" baseline="-25000" dirty="0" smtClean="0"/>
               <a:t>yr</a:t>
             </a:r>
             <a:r>
               <a:rPr lang="en-US" sz="1900" dirty="0" smtClean="0"/>
               <a:t> : Number of years</a:t>
             </a:r>
+          </a:p>
+          <a:p>
+            <a:pPr>
+              <a:lnSpc>
+                <a:spcPct val="110000"/>
+              </a:lnSpc>
+            </a:pPr>
+            <a:r>
+              <a:rPr lang="en-US" sz="1900" dirty="0"/>
+              <a:t>N</a:t>
+            </a:r>
+            <a:r>
+              <a:rPr lang="en-US" sz="1900" baseline="-25000" dirty="0"/>
+              <a:t>fs</a:t>
+            </a:r>
+            <a:r>
+              <a:rPr lang="en-US" sz="1900" dirty="0"/>
+              <a:t> </a:t>
+            </a:r>
+            <a:r>
+              <a:rPr lang="en-US" sz="1900" baseline="-25000" dirty="0"/>
+              <a:t>:</a:t>
+            </a:r>
+            <a:r>
+              <a:rPr lang="en-US" sz="1900" dirty="0"/>
+              <a:t> Number of f-scales</a:t>
+            </a:r>
+          </a:p>
+          <a:p>
+            <a:pPr>
+              <a:lnSpc>
+                <a:spcPct val="110000"/>
+              </a:lnSpc>
+            </a:pPr>
             <a:endParaRPr lang="en-US" sz="1900" dirty="0"/>
           </a:p>
         </p:txBody>

--- a/Directed_Acyclic.pptx
+++ b/Directed_Acyclic.pptx
@@ -3204,12 +3204,12 @@
                 </a:spcAft>
               </a:pPr>
               <a:r>
-                <a:rPr lang="en-US" sz="1700" dirty="0"/>
-                <a:t>y</a:t>
-              </a:r>
-              <a:r>
                 <a:rPr lang="en-US" sz="1700" kern="1200" dirty="0" smtClean="0"/>
-                <a:t> ~ Poisson(λ)</a:t>
+                <a:t>Poisson</a:t>
+              </a:r>
+              <a:r>
+                <a:rPr lang="en-US" sz="1700" kern="1200" dirty="0" smtClean="0"/>
+                <a:t>(λ)</a:t>
               </a:r>
             </a:p>
             <a:p>
@@ -4776,7 +4776,7 @@
             <a:p>
               <a:pPr lvl="0" algn="ctr" defTabSz="1555750">
                 <a:lnSpc>
-                  <a:spcPct val="90000"/>
+                  <a:spcPct val="70000"/>
                 </a:lnSpc>
                 <a:spcBef>
                   <a:spcPct val="0"/>
@@ -4787,7 +4787,28 @@
               </a:pPr>
               <a:r>
                 <a:rPr lang="en-US" sz="1400" dirty="0" smtClean="0"/>
-                <a:t>Land mass</a:t>
+                <a:t>Log</a:t>
+              </a:r>
+            </a:p>
+            <a:p>
+              <a:pPr lvl="0" algn="ctr" defTabSz="1555750">
+                <a:lnSpc>
+                  <a:spcPct val="70000"/>
+                </a:lnSpc>
+                <a:spcBef>
+                  <a:spcPct val="0"/>
+                </a:spcBef>
+                <a:spcAft>
+                  <a:spcPct val="35000"/>
+                </a:spcAft>
+              </a:pPr>
+              <a:r>
+                <a:rPr lang="en-US" sz="1400" dirty="0" smtClean="0"/>
+                <a:t>Land </a:t>
+              </a:r>
+              <a:r>
+                <a:rPr lang="en-US" sz="1400" dirty="0" smtClean="0"/>
+                <a:t>mass</a:t>
               </a:r>
             </a:p>
             <a:p>
@@ -5251,7 +5272,7 @@
         <p:spPr>
           <a:xfrm>
             <a:off x="6338157" y="5030586"/>
-            <a:ext cx="2301331" cy="338554"/>
+            <a:ext cx="1696498" cy="338554"/>
           </a:xfrm>
           <a:prstGeom prst="rect">
             <a:avLst/>
@@ -5266,7 +5287,11 @@
           <a:p>
             <a:r>
               <a:rPr lang="en-US" sz="1600" dirty="0" smtClean="0"/>
-              <a:t>Deterministic Connection</a:t>
+              <a:t>Linear </a:t>
+            </a:r>
+            <a:r>
+              <a:rPr lang="en-US" sz="1600" dirty="0" smtClean="0"/>
+              <a:t>Connection</a:t>
             </a:r>
             <a:endParaRPr lang="en-US" sz="1600" dirty="0"/>
           </a:p>
@@ -5362,7 +5387,7 @@
         <p:spPr>
           <a:xfrm>
             <a:off x="6181673" y="354670"/>
-            <a:ext cx="2628122" cy="1695592"/>
+            <a:ext cx="2628122" cy="1640728"/>
           </a:xfrm>
           <a:prstGeom prst="rect">
             <a:avLst/>
